--- a/images/nut.pptx.pptx
+++ b/images/nut.pptx.pptx
@@ -6,6 +6,9 @@
   </p:sldMasterIdLst>
   <p:sldIdLst>
     <p:sldId id="256" r:id="rId2"/>
+    <p:sldId id="257" r:id="rId3"/>
+    <p:sldId id="258" r:id="rId4"/>
+    <p:sldId id="259" r:id="rId5"/>
   </p:sldIdLst>
   <p:sldSz cx="12192000" cy="6858000"/>
   <p:notesSz cx="6858000" cy="9144000"/>
@@ -104,6 +107,11 @@
       </a:defRPr>
     </a:lvl9pPr>
   </p:defaultTextStyle>
+  <p:extLst>
+    <p:ext uri="{EFAFB233-063F-42B5-8137-9DF3F51BA10A}">
+      <p15:sldGuideLst xmlns:p15="http://schemas.microsoft.com/office/powerpoint/2012/main"/>
+    </p:ext>
+  </p:extLst>
 </p:presentation>
 </file>
 
@@ -254,7 +262,7 @@
           <a:p>
             <a:fld id="{3084E2E1-2CA6-7749-8DBF-521A047DC81F}" type="datetimeFigureOut">
               <a:rPr lang="en-US" smtClean="0"/>
-              <a:t>6/8/21</a:t>
+              <a:t>6/11/21</a:t>
             </a:fld>
             <a:endParaRPr lang="en-US"/>
           </a:p>
@@ -452,7 +460,7 @@
           <a:p>
             <a:fld id="{3084E2E1-2CA6-7749-8DBF-521A047DC81F}" type="datetimeFigureOut">
               <a:rPr lang="en-US" smtClean="0"/>
-              <a:t>6/8/21</a:t>
+              <a:t>6/11/21</a:t>
             </a:fld>
             <a:endParaRPr lang="en-US"/>
           </a:p>
@@ -660,7 +668,7 @@
           <a:p>
             <a:fld id="{3084E2E1-2CA6-7749-8DBF-521A047DC81F}" type="datetimeFigureOut">
               <a:rPr lang="en-US" smtClean="0"/>
-              <a:t>6/8/21</a:t>
+              <a:t>6/11/21</a:t>
             </a:fld>
             <a:endParaRPr lang="en-US"/>
           </a:p>
@@ -858,7 +866,7 @@
           <a:p>
             <a:fld id="{3084E2E1-2CA6-7749-8DBF-521A047DC81F}" type="datetimeFigureOut">
               <a:rPr lang="en-US" smtClean="0"/>
-              <a:t>6/8/21</a:t>
+              <a:t>6/11/21</a:t>
             </a:fld>
             <a:endParaRPr lang="en-US"/>
           </a:p>
@@ -1133,7 +1141,7 @@
           <a:p>
             <a:fld id="{3084E2E1-2CA6-7749-8DBF-521A047DC81F}" type="datetimeFigureOut">
               <a:rPr lang="en-US" smtClean="0"/>
-              <a:t>6/8/21</a:t>
+              <a:t>6/11/21</a:t>
             </a:fld>
             <a:endParaRPr lang="en-US"/>
           </a:p>
@@ -1398,7 +1406,7 @@
           <a:p>
             <a:fld id="{3084E2E1-2CA6-7749-8DBF-521A047DC81F}" type="datetimeFigureOut">
               <a:rPr lang="en-US" smtClean="0"/>
-              <a:t>6/8/21</a:t>
+              <a:t>6/11/21</a:t>
             </a:fld>
             <a:endParaRPr lang="en-US"/>
           </a:p>
@@ -1810,7 +1818,7 @@
           <a:p>
             <a:fld id="{3084E2E1-2CA6-7749-8DBF-521A047DC81F}" type="datetimeFigureOut">
               <a:rPr lang="en-US" smtClean="0"/>
-              <a:t>6/8/21</a:t>
+              <a:t>6/11/21</a:t>
             </a:fld>
             <a:endParaRPr lang="en-US"/>
           </a:p>
@@ -1951,7 +1959,7 @@
           <a:p>
             <a:fld id="{3084E2E1-2CA6-7749-8DBF-521A047DC81F}" type="datetimeFigureOut">
               <a:rPr lang="en-US" smtClean="0"/>
-              <a:t>6/8/21</a:t>
+              <a:t>6/11/21</a:t>
             </a:fld>
             <a:endParaRPr lang="en-US"/>
           </a:p>
@@ -2064,7 +2072,7 @@
           <a:p>
             <a:fld id="{3084E2E1-2CA6-7749-8DBF-521A047DC81F}" type="datetimeFigureOut">
               <a:rPr lang="en-US" smtClean="0"/>
-              <a:t>6/8/21</a:t>
+              <a:t>6/11/21</a:t>
             </a:fld>
             <a:endParaRPr lang="en-US"/>
           </a:p>
@@ -2375,7 +2383,7 @@
           <a:p>
             <a:fld id="{3084E2E1-2CA6-7749-8DBF-521A047DC81F}" type="datetimeFigureOut">
               <a:rPr lang="en-US" smtClean="0"/>
-              <a:t>6/8/21</a:t>
+              <a:t>6/11/21</a:t>
             </a:fld>
             <a:endParaRPr lang="en-US"/>
           </a:p>
@@ -2663,7 +2671,7 @@
           <a:p>
             <a:fld id="{3084E2E1-2CA6-7749-8DBF-521A047DC81F}" type="datetimeFigureOut">
               <a:rPr lang="en-US" smtClean="0"/>
-              <a:t>6/8/21</a:t>
+              <a:t>6/11/21</a:t>
             </a:fld>
             <a:endParaRPr lang="en-US"/>
           </a:p>
@@ -2904,7 +2912,7 @@
           <a:p>
             <a:fld id="{3084E2E1-2CA6-7749-8DBF-521A047DC81F}" type="datetimeFigureOut">
               <a:rPr lang="en-US" smtClean="0"/>
-              <a:t>6/8/21</a:t>
+              <a:t>6/11/21</a:t>
             </a:fld>
             <a:endParaRPr lang="en-US"/>
           </a:p>
@@ -7407,6 +7415,839 @@
 </p:sld>
 </file>
 
+<file path=ppt/slides/slide2.xml><?xml version="1.0" encoding="utf-8"?>
+<p:sld xmlns:a="http://schemas.openxmlformats.org/drawingml/2006/main" xmlns:r="http://schemas.openxmlformats.org/officeDocument/2006/relationships" xmlns:p="http://schemas.openxmlformats.org/presentationml/2006/main">
+  <p:cSld>
+    <p:spTree>
+      <p:nvGrpSpPr>
+        <p:cNvPr id="1" name=""/>
+        <p:cNvGrpSpPr/>
+        <p:nvPr/>
+      </p:nvGrpSpPr>
+      <p:grpSpPr>
+        <a:xfrm>
+          <a:off x="0" y="0"/>
+          <a:ext cx="0" cy="0"/>
+          <a:chOff x="0" y="0"/>
+          <a:chExt cx="0" cy="0"/>
+        </a:xfrm>
+      </p:grpSpPr>
+      <p:pic>
+        <p:nvPicPr>
+          <p:cNvPr id="4" name="Picture 3">
+            <a:extLst>
+              <a:ext uri="{FF2B5EF4-FFF2-40B4-BE49-F238E27FC236}">
+                <a16:creationId xmlns:a16="http://schemas.microsoft.com/office/drawing/2014/main" id="{4F104296-59EE-3544-8DF1-67C1991F78F2}"/>
+              </a:ext>
+            </a:extLst>
+          </p:cNvPr>
+          <p:cNvPicPr>
+            <a:picLocks noChangeAspect="1"/>
+          </p:cNvPicPr>
+          <p:nvPr/>
+        </p:nvPicPr>
+        <p:blipFill>
+          <a:blip r:embed="rId2"/>
+          <a:stretch>
+            <a:fillRect/>
+          </a:stretch>
+        </p:blipFill>
+        <p:spPr>
+          <a:xfrm>
+            <a:off x="1352550" y="730250"/>
+            <a:ext cx="9486900" cy="5397500"/>
+          </a:xfrm>
+          <a:prstGeom prst="rect">
+            <a:avLst/>
+          </a:prstGeom>
+        </p:spPr>
+      </p:pic>
+      <p:sp>
+        <p:nvSpPr>
+          <p:cNvPr id="5" name="Rectangle 4">
+            <a:extLst>
+              <a:ext uri="{FF2B5EF4-FFF2-40B4-BE49-F238E27FC236}">
+                <a16:creationId xmlns:a16="http://schemas.microsoft.com/office/drawing/2014/main" id="{0693AE9D-68F3-8A48-A66D-3C01A4B573BB}"/>
+              </a:ext>
+            </a:extLst>
+          </p:cNvPr>
+          <p:cNvSpPr/>
+          <p:nvPr/>
+        </p:nvSpPr>
+        <p:spPr>
+          <a:xfrm>
+            <a:off x="5401968" y="4996934"/>
+            <a:ext cx="1393330" cy="276999"/>
+          </a:xfrm>
+          <a:prstGeom prst="rect">
+            <a:avLst/>
+          </a:prstGeom>
+        </p:spPr>
+        <p:txBody>
+          <a:bodyPr wrap="none">
+            <a:spAutoFit/>
+          </a:bodyPr>
+          <a:lstStyle/>
+          <a:p>
+            <a:r>
+              <a:rPr lang="en-US" sz="1200" dirty="0">
+                <a:solidFill>
+                  <a:srgbClr val="3DC9B0"/>
+                </a:solidFill>
+                <a:latin typeface="Menlo" panose="020B0609030804020204" pitchFamily="49" charset="0"/>
+              </a:rPr>
+              <a:t>Box</a:t>
+            </a:r>
+            <a:r>
+              <a:rPr lang="en-US" sz="1200" dirty="0">
+                <a:solidFill>
+                  <a:srgbClr val="DCDCDC"/>
+                </a:solidFill>
+                <a:latin typeface="Menlo" panose="020B0609030804020204" pitchFamily="49" charset="0"/>
+              </a:rPr>
+              <a:t>(</a:t>
+            </a:r>
+            <a:r>
+              <a:rPr lang="en-US" sz="1200" dirty="0">
+                <a:solidFill>
+                  <a:srgbClr val="B5CEA8"/>
+                </a:solidFill>
+                <a:latin typeface="Menlo" panose="020B0609030804020204" pitchFamily="49" charset="0"/>
+              </a:rPr>
+              <a:t>10</a:t>
+            </a:r>
+            <a:r>
+              <a:rPr lang="en-US" sz="1200" dirty="0">
+                <a:solidFill>
+                  <a:srgbClr val="DCDCDC"/>
+                </a:solidFill>
+                <a:latin typeface="Menlo" panose="020B0609030804020204" pitchFamily="49" charset="0"/>
+              </a:rPr>
+              <a:t>,</a:t>
+            </a:r>
+            <a:r>
+              <a:rPr lang="en-US" sz="1200" dirty="0">
+                <a:solidFill>
+                  <a:srgbClr val="B5CEA8"/>
+                </a:solidFill>
+                <a:latin typeface="Menlo" panose="020B0609030804020204" pitchFamily="49" charset="0"/>
+              </a:rPr>
+              <a:t>30</a:t>
+            </a:r>
+            <a:r>
+              <a:rPr lang="en-US" sz="1200" dirty="0">
+                <a:solidFill>
+                  <a:srgbClr val="DCDCDC"/>
+                </a:solidFill>
+                <a:latin typeface="Menlo" panose="020B0609030804020204" pitchFamily="49" charset="0"/>
+              </a:rPr>
+              <a:t>,</a:t>
+            </a:r>
+            <a:r>
+              <a:rPr lang="en-US" sz="1200" dirty="0">
+                <a:solidFill>
+                  <a:srgbClr val="B5CEA8"/>
+                </a:solidFill>
+                <a:latin typeface="Menlo" panose="020B0609030804020204" pitchFamily="49" charset="0"/>
+              </a:rPr>
+              <a:t>20</a:t>
+            </a:r>
+            <a:r>
+              <a:rPr lang="en-US" sz="1200" dirty="0">
+                <a:solidFill>
+                  <a:srgbClr val="DCDCDC"/>
+                </a:solidFill>
+                <a:latin typeface="Menlo" panose="020B0609030804020204" pitchFamily="49" charset="0"/>
+              </a:rPr>
+              <a:t>)</a:t>
+            </a:r>
+            <a:endParaRPr lang="en-US" sz="1200" b="0" dirty="0">
+              <a:solidFill>
+                <a:srgbClr val="D4D4D4"/>
+              </a:solidFill>
+              <a:effectLst/>
+              <a:latin typeface="Menlo" panose="020B0609030804020204" pitchFamily="49" charset="0"/>
+            </a:endParaRPr>
+          </a:p>
+        </p:txBody>
+      </p:sp>
+      <p:sp>
+        <p:nvSpPr>
+          <p:cNvPr id="6" name="Rectangle 5">
+            <a:extLst>
+              <a:ext uri="{FF2B5EF4-FFF2-40B4-BE49-F238E27FC236}">
+                <a16:creationId xmlns:a16="http://schemas.microsoft.com/office/drawing/2014/main" id="{75404A11-BE42-C542-A030-2A04F8DA1466}"/>
+              </a:ext>
+            </a:extLst>
+          </p:cNvPr>
+          <p:cNvSpPr/>
+          <p:nvPr/>
+        </p:nvSpPr>
+        <p:spPr>
+          <a:xfrm>
+            <a:off x="6096000" y="5758418"/>
+            <a:ext cx="3252814" cy="276999"/>
+          </a:xfrm>
+          <a:prstGeom prst="rect">
+            <a:avLst/>
+          </a:prstGeom>
+        </p:spPr>
+        <p:txBody>
+          <a:bodyPr wrap="none">
+            <a:spAutoFit/>
+          </a:bodyPr>
+          <a:lstStyle/>
+          <a:p>
+            <a:r>
+              <a:rPr lang="en-US" sz="1200" dirty="0">
+                <a:solidFill>
+                  <a:srgbClr val="3DC9B0"/>
+                </a:solidFill>
+                <a:latin typeface="Menlo" panose="020B0609030804020204" pitchFamily="49" charset="0"/>
+              </a:rPr>
+              <a:t>Translate</a:t>
+            </a:r>
+            <a:r>
+              <a:rPr lang="en-US" sz="1200" dirty="0">
+                <a:solidFill>
+                  <a:srgbClr val="DCDCDC"/>
+                </a:solidFill>
+                <a:latin typeface="Menlo" panose="020B0609030804020204" pitchFamily="49" charset="0"/>
+              </a:rPr>
+              <a:t>([</a:t>
+            </a:r>
+            <a:r>
+              <a:rPr lang="en-US" sz="1200" dirty="0">
+                <a:solidFill>
+                  <a:srgbClr val="B5CEA8"/>
+                </a:solidFill>
+                <a:latin typeface="Menlo" panose="020B0609030804020204" pitchFamily="49" charset="0"/>
+              </a:rPr>
+              <a:t>50</a:t>
+            </a:r>
+            <a:r>
+              <a:rPr lang="en-US" sz="1200" dirty="0">
+                <a:solidFill>
+                  <a:srgbClr val="DCDCDC"/>
+                </a:solidFill>
+                <a:latin typeface="Menlo" panose="020B0609030804020204" pitchFamily="49" charset="0"/>
+              </a:rPr>
+              <a:t>,</a:t>
+            </a:r>
+            <a:r>
+              <a:rPr lang="en-US" sz="1200" dirty="0">
+                <a:solidFill>
+                  <a:srgbClr val="B5CEA8"/>
+                </a:solidFill>
+                <a:latin typeface="Menlo" panose="020B0609030804020204" pitchFamily="49" charset="0"/>
+              </a:rPr>
+              <a:t>0</a:t>
+            </a:r>
+            <a:r>
+              <a:rPr lang="en-US" sz="1200" dirty="0">
+                <a:solidFill>
+                  <a:srgbClr val="DCDCDC"/>
+                </a:solidFill>
+                <a:latin typeface="Menlo" panose="020B0609030804020204" pitchFamily="49" charset="0"/>
+              </a:rPr>
+              <a:t>,</a:t>
+            </a:r>
+            <a:r>
+              <a:rPr lang="en-US" sz="1200" dirty="0">
+                <a:solidFill>
+                  <a:srgbClr val="B5CEA8"/>
+                </a:solidFill>
+                <a:latin typeface="Menlo" panose="020B0609030804020204" pitchFamily="49" charset="0"/>
+              </a:rPr>
+              <a:t>0</a:t>
+            </a:r>
+            <a:r>
+              <a:rPr lang="en-US" sz="1200" dirty="0">
+                <a:solidFill>
+                  <a:srgbClr val="DCDCDC"/>
+                </a:solidFill>
+                <a:latin typeface="Menlo" panose="020B0609030804020204" pitchFamily="49" charset="0"/>
+              </a:rPr>
+              <a:t>],</a:t>
+            </a:r>
+            <a:r>
+              <a:rPr lang="en-US" sz="1200" dirty="0">
+                <a:solidFill>
+                  <a:srgbClr val="3DC9B0"/>
+                </a:solidFill>
+                <a:latin typeface="Menlo" panose="020B0609030804020204" pitchFamily="49" charset="0"/>
+              </a:rPr>
+              <a:t>Box</a:t>
+            </a:r>
+            <a:r>
+              <a:rPr lang="en-US" sz="1200" dirty="0">
+                <a:solidFill>
+                  <a:srgbClr val="DCDCDC"/>
+                </a:solidFill>
+                <a:latin typeface="Menlo" panose="020B0609030804020204" pitchFamily="49" charset="0"/>
+              </a:rPr>
+              <a:t>(</a:t>
+            </a:r>
+            <a:r>
+              <a:rPr lang="en-US" sz="1200" dirty="0">
+                <a:solidFill>
+                  <a:srgbClr val="B5CEA8"/>
+                </a:solidFill>
+                <a:latin typeface="Menlo" panose="020B0609030804020204" pitchFamily="49" charset="0"/>
+              </a:rPr>
+              <a:t>10</a:t>
+            </a:r>
+            <a:r>
+              <a:rPr lang="en-US" sz="1200" dirty="0">
+                <a:solidFill>
+                  <a:srgbClr val="DCDCDC"/>
+                </a:solidFill>
+                <a:latin typeface="Menlo" panose="020B0609030804020204" pitchFamily="49" charset="0"/>
+              </a:rPr>
+              <a:t>,</a:t>
+            </a:r>
+            <a:r>
+              <a:rPr lang="en-US" sz="1200" dirty="0">
+                <a:solidFill>
+                  <a:srgbClr val="B5CEA8"/>
+                </a:solidFill>
+                <a:latin typeface="Menlo" panose="020B0609030804020204" pitchFamily="49" charset="0"/>
+              </a:rPr>
+              <a:t>30</a:t>
+            </a:r>
+            <a:r>
+              <a:rPr lang="en-US" sz="1200" dirty="0">
+                <a:solidFill>
+                  <a:srgbClr val="DCDCDC"/>
+                </a:solidFill>
+                <a:latin typeface="Menlo" panose="020B0609030804020204" pitchFamily="49" charset="0"/>
+              </a:rPr>
+              <a:t>,</a:t>
+            </a:r>
+            <a:r>
+              <a:rPr lang="en-US" sz="1200" dirty="0">
+                <a:solidFill>
+                  <a:srgbClr val="B5CEA8"/>
+                </a:solidFill>
+                <a:latin typeface="Menlo" panose="020B0609030804020204" pitchFamily="49" charset="0"/>
+              </a:rPr>
+              <a:t>20</a:t>
+            </a:r>
+            <a:r>
+              <a:rPr lang="en-US" sz="1200" dirty="0">
+                <a:solidFill>
+                  <a:srgbClr val="DCDCDC"/>
+                </a:solidFill>
+                <a:latin typeface="Menlo" panose="020B0609030804020204" pitchFamily="49" charset="0"/>
+              </a:rPr>
+              <a:t>))</a:t>
+            </a:r>
+            <a:endParaRPr lang="en-US" sz="1200" b="0" dirty="0">
+              <a:solidFill>
+                <a:srgbClr val="D4D4D4"/>
+              </a:solidFill>
+              <a:effectLst/>
+              <a:latin typeface="Menlo" panose="020B0609030804020204" pitchFamily="49" charset="0"/>
+            </a:endParaRPr>
+          </a:p>
+        </p:txBody>
+      </p:sp>
+      <p:sp>
+        <p:nvSpPr>
+          <p:cNvPr id="7" name="Rectangle 6">
+            <a:extLst>
+              <a:ext uri="{FF2B5EF4-FFF2-40B4-BE49-F238E27FC236}">
+                <a16:creationId xmlns:a16="http://schemas.microsoft.com/office/drawing/2014/main" id="{50DCF0A5-C527-9549-9872-FA7BCD0C32C5}"/>
+              </a:ext>
+            </a:extLst>
+          </p:cNvPr>
+          <p:cNvSpPr/>
+          <p:nvPr/>
+        </p:nvSpPr>
+        <p:spPr>
+          <a:xfrm>
+            <a:off x="1309112" y="4235450"/>
+            <a:ext cx="3159839" cy="276999"/>
+          </a:xfrm>
+          <a:prstGeom prst="rect">
+            <a:avLst/>
+          </a:prstGeom>
+        </p:spPr>
+        <p:txBody>
+          <a:bodyPr wrap="none">
+            <a:spAutoFit/>
+          </a:bodyPr>
+          <a:lstStyle/>
+          <a:p>
+            <a:r>
+              <a:rPr lang="en-US" sz="1200" dirty="0">
+                <a:solidFill>
+                  <a:srgbClr val="3DC9B0"/>
+                </a:solidFill>
+                <a:latin typeface="Menlo" panose="020B0609030804020204" pitchFamily="49" charset="0"/>
+              </a:rPr>
+              <a:t>Translate</a:t>
+            </a:r>
+            <a:r>
+              <a:rPr lang="en-US" sz="1200" dirty="0">
+                <a:solidFill>
+                  <a:srgbClr val="DCDCDC"/>
+                </a:solidFill>
+                <a:latin typeface="Menlo" panose="020B0609030804020204" pitchFamily="49" charset="0"/>
+              </a:rPr>
+              <a:t>([-</a:t>
+            </a:r>
+            <a:r>
+              <a:rPr lang="en-US" sz="1200" dirty="0">
+                <a:solidFill>
+                  <a:srgbClr val="B5CEA8"/>
+                </a:solidFill>
+                <a:latin typeface="Menlo" panose="020B0609030804020204" pitchFamily="49" charset="0"/>
+              </a:rPr>
+              <a:t>50</a:t>
+            </a:r>
+            <a:r>
+              <a:rPr lang="en-US" sz="1200" dirty="0">
+                <a:solidFill>
+                  <a:srgbClr val="DCDCDC"/>
+                </a:solidFill>
+                <a:latin typeface="Menlo" panose="020B0609030804020204" pitchFamily="49" charset="0"/>
+              </a:rPr>
+              <a:t>,</a:t>
+            </a:r>
+            <a:r>
+              <a:rPr lang="en-US" sz="1200" dirty="0">
+                <a:solidFill>
+                  <a:srgbClr val="B5CEA8"/>
+                </a:solidFill>
+                <a:latin typeface="Menlo" panose="020B0609030804020204" pitchFamily="49" charset="0"/>
+              </a:rPr>
+              <a:t>0</a:t>
+            </a:r>
+            <a:r>
+              <a:rPr lang="en-US" sz="1200" dirty="0">
+                <a:solidFill>
+                  <a:srgbClr val="DCDCDC"/>
+                </a:solidFill>
+                <a:latin typeface="Menlo" panose="020B0609030804020204" pitchFamily="49" charset="0"/>
+              </a:rPr>
+              <a:t>,</a:t>
+            </a:r>
+            <a:r>
+              <a:rPr lang="en-US" sz="1200" dirty="0">
+                <a:solidFill>
+                  <a:srgbClr val="B5CEA8"/>
+                </a:solidFill>
+                <a:latin typeface="Menlo" panose="020B0609030804020204" pitchFamily="49" charset="0"/>
+              </a:rPr>
+              <a:t>10</a:t>
+            </a:r>
+            <a:r>
+              <a:rPr lang="en-US" sz="1200" dirty="0">
+                <a:solidFill>
+                  <a:srgbClr val="DCDCDC"/>
+                </a:solidFill>
+                <a:latin typeface="Menlo" panose="020B0609030804020204" pitchFamily="49" charset="0"/>
+              </a:rPr>
+              <a:t>],</a:t>
+            </a:r>
+            <a:r>
+              <a:rPr lang="en-US" sz="1200" dirty="0">
+                <a:solidFill>
+                  <a:srgbClr val="3DC9B0"/>
+                </a:solidFill>
+                <a:latin typeface="Menlo" panose="020B0609030804020204" pitchFamily="49" charset="0"/>
+              </a:rPr>
+              <a:t>Sphere</a:t>
+            </a:r>
+            <a:r>
+              <a:rPr lang="en-US" sz="1200" dirty="0">
+                <a:solidFill>
+                  <a:srgbClr val="DCDCDC"/>
+                </a:solidFill>
+                <a:latin typeface="Menlo" panose="020B0609030804020204" pitchFamily="49" charset="0"/>
+              </a:rPr>
+              <a:t>(</a:t>
+            </a:r>
+            <a:r>
+              <a:rPr lang="en-US" sz="1200" dirty="0">
+                <a:solidFill>
+                  <a:srgbClr val="B5CEA8"/>
+                </a:solidFill>
+                <a:latin typeface="Menlo" panose="020B0609030804020204" pitchFamily="49" charset="0"/>
+              </a:rPr>
+              <a:t>10</a:t>
+            </a:r>
+            <a:r>
+              <a:rPr lang="en-US" sz="1200" dirty="0">
+                <a:solidFill>
+                  <a:srgbClr val="DCDCDC"/>
+                </a:solidFill>
+                <a:latin typeface="Menlo" panose="020B0609030804020204" pitchFamily="49" charset="0"/>
+              </a:rPr>
+              <a:t>))</a:t>
+            </a:r>
+            <a:endParaRPr lang="en-US" sz="1200" b="0" dirty="0">
+              <a:solidFill>
+                <a:srgbClr val="D4D4D4"/>
+              </a:solidFill>
+              <a:effectLst/>
+              <a:latin typeface="Menlo" panose="020B0609030804020204" pitchFamily="49" charset="0"/>
+            </a:endParaRPr>
+          </a:p>
+        </p:txBody>
+      </p:sp>
+      <p:sp>
+        <p:nvSpPr>
+          <p:cNvPr id="8" name="Rectangle 7">
+            <a:extLst>
+              <a:ext uri="{FF2B5EF4-FFF2-40B4-BE49-F238E27FC236}">
+                <a16:creationId xmlns:a16="http://schemas.microsoft.com/office/drawing/2014/main" id="{8A8F2B3D-EDA6-214C-92BA-62D21977384E}"/>
+              </a:ext>
+            </a:extLst>
+          </p:cNvPr>
+          <p:cNvSpPr/>
+          <p:nvPr/>
+        </p:nvSpPr>
+        <p:spPr>
+          <a:xfrm>
+            <a:off x="1352550" y="817602"/>
+            <a:ext cx="3252814" cy="276999"/>
+          </a:xfrm>
+          <a:prstGeom prst="rect">
+            <a:avLst/>
+          </a:prstGeom>
+        </p:spPr>
+        <p:txBody>
+          <a:bodyPr wrap="none">
+            <a:spAutoFit/>
+          </a:bodyPr>
+          <a:lstStyle/>
+          <a:p>
+            <a:r>
+              <a:rPr lang="en-US" sz="1200" dirty="0">
+                <a:solidFill>
+                  <a:srgbClr val="3DC9B0"/>
+                </a:solidFill>
+                <a:latin typeface="Menlo" panose="020B0609030804020204" pitchFamily="49" charset="0"/>
+              </a:rPr>
+              <a:t>Translate</a:t>
+            </a:r>
+            <a:r>
+              <a:rPr lang="en-US" sz="1200" dirty="0">
+                <a:solidFill>
+                  <a:srgbClr val="DCDCDC"/>
+                </a:solidFill>
+                <a:latin typeface="Menlo" panose="020B0609030804020204" pitchFamily="49" charset="0"/>
+              </a:rPr>
+              <a:t>([</a:t>
+            </a:r>
+            <a:r>
+              <a:rPr lang="en-US" sz="1200" dirty="0">
+                <a:solidFill>
+                  <a:srgbClr val="B5CEA8"/>
+                </a:solidFill>
+                <a:latin typeface="Menlo" panose="020B0609030804020204" pitchFamily="49" charset="0"/>
+              </a:rPr>
+              <a:t>0</a:t>
+            </a:r>
+            <a:r>
+              <a:rPr lang="en-US" sz="1200" dirty="0">
+                <a:solidFill>
+                  <a:srgbClr val="DCDCDC"/>
+                </a:solidFill>
+                <a:latin typeface="Menlo" panose="020B0609030804020204" pitchFamily="49" charset="0"/>
+              </a:rPr>
+              <a:t>,</a:t>
+            </a:r>
+            <a:r>
+              <a:rPr lang="en-US" sz="1200" dirty="0">
+                <a:solidFill>
+                  <a:srgbClr val="B5CEA8"/>
+                </a:solidFill>
+                <a:latin typeface="Menlo" panose="020B0609030804020204" pitchFamily="49" charset="0"/>
+              </a:rPr>
+              <a:t>0</a:t>
+            </a:r>
+            <a:r>
+              <a:rPr lang="en-US" sz="1200" dirty="0">
+                <a:solidFill>
+                  <a:srgbClr val="DCDCDC"/>
+                </a:solidFill>
+                <a:latin typeface="Menlo" panose="020B0609030804020204" pitchFamily="49" charset="0"/>
+              </a:rPr>
+              <a:t>,</a:t>
+            </a:r>
+            <a:r>
+              <a:rPr lang="en-US" sz="1200" dirty="0">
+                <a:solidFill>
+                  <a:srgbClr val="B5CEA8"/>
+                </a:solidFill>
+                <a:latin typeface="Menlo" panose="020B0609030804020204" pitchFamily="49" charset="0"/>
+              </a:rPr>
+              <a:t>50</a:t>
+            </a:r>
+            <a:r>
+              <a:rPr lang="en-US" sz="1200" dirty="0">
+                <a:solidFill>
+                  <a:srgbClr val="DCDCDC"/>
+                </a:solidFill>
+                <a:latin typeface="Menlo" panose="020B0609030804020204" pitchFamily="49" charset="0"/>
+              </a:rPr>
+              <a:t>],</a:t>
+            </a:r>
+            <a:r>
+              <a:rPr lang="en-US" sz="1200" dirty="0">
+                <a:solidFill>
+                  <a:srgbClr val="3DC9B0"/>
+                </a:solidFill>
+                <a:latin typeface="Menlo" panose="020B0609030804020204" pitchFamily="49" charset="0"/>
+              </a:rPr>
+              <a:t>Cone</a:t>
+            </a:r>
+            <a:r>
+              <a:rPr lang="en-US" sz="1200" dirty="0">
+                <a:solidFill>
+                  <a:srgbClr val="DCDCDC"/>
+                </a:solidFill>
+                <a:latin typeface="Menlo" panose="020B0609030804020204" pitchFamily="49" charset="0"/>
+              </a:rPr>
+              <a:t>(</a:t>
+            </a:r>
+            <a:r>
+              <a:rPr lang="en-US" sz="1200" dirty="0">
+                <a:solidFill>
+                  <a:srgbClr val="B5CEA8"/>
+                </a:solidFill>
+                <a:latin typeface="Menlo" panose="020B0609030804020204" pitchFamily="49" charset="0"/>
+              </a:rPr>
+              <a:t>10</a:t>
+            </a:r>
+            <a:r>
+              <a:rPr lang="en-US" sz="1200" dirty="0">
+                <a:solidFill>
+                  <a:srgbClr val="DCDCDC"/>
+                </a:solidFill>
+                <a:latin typeface="Menlo" panose="020B0609030804020204" pitchFamily="49" charset="0"/>
+              </a:rPr>
+              <a:t>,</a:t>
+            </a:r>
+            <a:r>
+              <a:rPr lang="en-US" sz="1200" dirty="0">
+                <a:solidFill>
+                  <a:srgbClr val="B5CEA8"/>
+                </a:solidFill>
+                <a:latin typeface="Menlo" panose="020B0609030804020204" pitchFamily="49" charset="0"/>
+              </a:rPr>
+              <a:t>5</a:t>
+            </a:r>
+            <a:r>
+              <a:rPr lang="en-US" sz="1200" dirty="0">
+                <a:solidFill>
+                  <a:srgbClr val="DCDCDC"/>
+                </a:solidFill>
+                <a:latin typeface="Menlo" panose="020B0609030804020204" pitchFamily="49" charset="0"/>
+              </a:rPr>
+              <a:t>,</a:t>
+            </a:r>
+            <a:r>
+              <a:rPr lang="en-US" sz="1200" dirty="0">
+                <a:solidFill>
+                  <a:srgbClr val="B5CEA8"/>
+                </a:solidFill>
+                <a:latin typeface="Menlo" panose="020B0609030804020204" pitchFamily="49" charset="0"/>
+              </a:rPr>
+              <a:t>20</a:t>
+            </a:r>
+            <a:r>
+              <a:rPr lang="en-US" sz="1200" dirty="0">
+                <a:solidFill>
+                  <a:srgbClr val="DCDCDC"/>
+                </a:solidFill>
+                <a:latin typeface="Menlo" panose="020B0609030804020204" pitchFamily="49" charset="0"/>
+              </a:rPr>
+              <a:t>))</a:t>
+            </a:r>
+            <a:endParaRPr lang="en-US" sz="1200" b="0" dirty="0">
+              <a:solidFill>
+                <a:srgbClr val="D4D4D4"/>
+              </a:solidFill>
+              <a:effectLst/>
+              <a:latin typeface="Menlo" panose="020B0609030804020204" pitchFamily="49" charset="0"/>
+            </a:endParaRPr>
+          </a:p>
+        </p:txBody>
+      </p:sp>
+    </p:spTree>
+    <p:extLst>
+      <p:ext uri="{BB962C8B-B14F-4D97-AF65-F5344CB8AC3E}">
+        <p14:creationId xmlns:p14="http://schemas.microsoft.com/office/powerpoint/2010/main" val="323434400"/>
+      </p:ext>
+    </p:extLst>
+  </p:cSld>
+  <p:clrMapOvr>
+    <a:masterClrMapping/>
+  </p:clrMapOvr>
+</p:sld>
+</file>
+
+<file path=ppt/slides/slide3.xml><?xml version="1.0" encoding="utf-8"?>
+<p:sld xmlns:a="http://schemas.openxmlformats.org/drawingml/2006/main" xmlns:r="http://schemas.openxmlformats.org/officeDocument/2006/relationships" xmlns:p="http://schemas.openxmlformats.org/presentationml/2006/main">
+  <p:cSld>
+    <p:spTree>
+      <p:nvGrpSpPr>
+        <p:cNvPr id="1" name=""/>
+        <p:cNvGrpSpPr/>
+        <p:nvPr/>
+      </p:nvGrpSpPr>
+      <p:grpSpPr>
+        <a:xfrm>
+          <a:off x="0" y="0"/>
+          <a:ext cx="0" cy="0"/>
+          <a:chOff x="0" y="0"/>
+          <a:chExt cx="0" cy="0"/>
+        </a:xfrm>
+      </p:grpSpPr>
+      <p:sp>
+        <p:nvSpPr>
+          <p:cNvPr id="2" name="Title 1">
+            <a:extLst>
+              <a:ext uri="{FF2B5EF4-FFF2-40B4-BE49-F238E27FC236}">
+                <a16:creationId xmlns:a16="http://schemas.microsoft.com/office/drawing/2014/main" id="{A5C2C534-629B-8848-92AB-01D407830559}"/>
+              </a:ext>
+            </a:extLst>
+          </p:cNvPr>
+          <p:cNvSpPr>
+            <a:spLocks noGrp="1"/>
+          </p:cNvSpPr>
+          <p:nvPr>
+            <p:ph type="title"/>
+          </p:nvPr>
+        </p:nvSpPr>
+        <p:spPr/>
+        <p:txBody>
+          <a:bodyPr/>
+          <a:lstStyle/>
+          <a:p>
+            <a:endParaRPr lang="en-US"/>
+          </a:p>
+        </p:txBody>
+      </p:sp>
+      <p:sp>
+        <p:nvSpPr>
+          <p:cNvPr id="3" name="Content Placeholder 2">
+            <a:extLst>
+              <a:ext uri="{FF2B5EF4-FFF2-40B4-BE49-F238E27FC236}">
+                <a16:creationId xmlns:a16="http://schemas.microsoft.com/office/drawing/2014/main" id="{F9080FDC-368B-624F-ADDD-231C63B817A8}"/>
+              </a:ext>
+            </a:extLst>
+          </p:cNvPr>
+          <p:cNvSpPr>
+            <a:spLocks noGrp="1"/>
+          </p:cNvSpPr>
+          <p:nvPr>
+            <p:ph idx="1"/>
+          </p:nvPr>
+        </p:nvSpPr>
+        <p:spPr/>
+        <p:txBody>
+          <a:bodyPr/>
+          <a:lstStyle/>
+          <a:p>
+            <a:endParaRPr lang="en-US"/>
+          </a:p>
+        </p:txBody>
+      </p:sp>
+    </p:spTree>
+    <p:extLst>
+      <p:ext uri="{BB962C8B-B14F-4D97-AF65-F5344CB8AC3E}">
+        <p14:creationId xmlns:p14="http://schemas.microsoft.com/office/powerpoint/2010/main" val="1262063736"/>
+      </p:ext>
+    </p:extLst>
+  </p:cSld>
+  <p:clrMapOvr>
+    <a:masterClrMapping/>
+  </p:clrMapOvr>
+</p:sld>
+</file>
+
+<file path=ppt/slides/slide4.xml><?xml version="1.0" encoding="utf-8"?>
+<p:sld xmlns:a="http://schemas.openxmlformats.org/drawingml/2006/main" xmlns:r="http://schemas.openxmlformats.org/officeDocument/2006/relationships" xmlns:p="http://schemas.openxmlformats.org/presentationml/2006/main">
+  <p:cSld>
+    <p:spTree>
+      <p:nvGrpSpPr>
+        <p:cNvPr id="1" name=""/>
+        <p:cNvGrpSpPr/>
+        <p:nvPr/>
+      </p:nvGrpSpPr>
+      <p:grpSpPr>
+        <a:xfrm>
+          <a:off x="0" y="0"/>
+          <a:ext cx="0" cy="0"/>
+          <a:chOff x="0" y="0"/>
+          <a:chExt cx="0" cy="0"/>
+        </a:xfrm>
+      </p:grpSpPr>
+      <p:pic>
+        <p:nvPicPr>
+          <p:cNvPr id="1025" name="Picture 1" descr="page1image46551312">
+            <a:extLst>
+              <a:ext uri="{FF2B5EF4-FFF2-40B4-BE49-F238E27FC236}">
+                <a16:creationId xmlns:a16="http://schemas.microsoft.com/office/drawing/2014/main" id="{BA5DC14B-A485-9546-A5E1-CF4B8C5CA77A}"/>
+              </a:ext>
+            </a:extLst>
+          </p:cNvPr>
+          <p:cNvPicPr>
+            <a:picLocks noChangeAspect="1" noChangeArrowheads="1"/>
+          </p:cNvPicPr>
+          <p:nvPr/>
+        </p:nvPicPr>
+        <p:blipFill>
+          <a:blip r:embed="rId2">
+            <a:extLst>
+              <a:ext uri="{28A0092B-C50C-407E-A947-70E740481C1C}">
+                <a14:useLocalDpi xmlns:a14="http://schemas.microsoft.com/office/drawing/2010/main" val="0"/>
+              </a:ext>
+            </a:extLst>
+          </a:blip>
+          <a:srcRect/>
+          <a:stretch>
+            <a:fillRect/>
+          </a:stretch>
+        </p:blipFill>
+        <p:spPr bwMode="auto">
+          <a:xfrm rot="5400000">
+            <a:off x="2516510" y="-701050"/>
+            <a:ext cx="6372411" cy="8460848"/>
+          </a:xfrm>
+          <a:prstGeom prst="rect">
+            <a:avLst/>
+          </a:prstGeom>
+          <a:noFill/>
+          <a:extLst>
+            <a:ext uri="{909E8E84-426E-40DD-AFC4-6F175D3DCCD1}">
+              <a14:hiddenFill xmlns:a14="http://schemas.microsoft.com/office/drawing/2010/main">
+                <a:solidFill>
+                  <a:srgbClr val="FFFFFF"/>
+                </a:solidFill>
+              </a14:hiddenFill>
+            </a:ext>
+          </a:extLst>
+        </p:spPr>
+      </p:pic>
+    </p:spTree>
+    <p:extLst>
+      <p:ext uri="{BB962C8B-B14F-4D97-AF65-F5344CB8AC3E}">
+        <p14:creationId xmlns:p14="http://schemas.microsoft.com/office/powerpoint/2010/main" val="460964975"/>
+      </p:ext>
+    </p:extLst>
+  </p:cSld>
+  <p:clrMapOvr>
+    <a:masterClrMapping/>
+  </p:clrMapOvr>
+</p:sld>
+</file>
+
 <file path=ppt/theme/theme1.xml><?xml version="1.0" encoding="utf-8"?>
 <a:theme xmlns:a="http://schemas.openxmlformats.org/drawingml/2006/main" name="Office Theme">
   <a:themeElements>
